--- a/HARR Algoritm.pptx
+++ b/HARR Algoritm.pptx
@@ -1854,10 +1854,9 @@
         <a:lstStyle/>
         <a:p>
           <a:r>
-            <a:rPr lang="it-IT"/>
-            <a:t>Applicazione android per raccogliere i dati dell’accelerometro</a:t>
+            <a:rPr lang="en-US" dirty="0"/>
+            <a:t>Android application to collect accelerometer data</a:t>
           </a:r>
-          <a:endParaRPr lang="en-US"/>
         </a:p>
       </dgm:t>
     </dgm:pt>
@@ -1891,10 +1890,22 @@
         <a:lstStyle/>
         <a:p>
           <a:r>
-            <a:rPr lang="it-IT"/>
-            <a:t>Finger oximeter per il battito cardiaco</a:t>
+            <a:rPr lang="it-IT" dirty="0"/>
+            <a:t>Finger </a:t>
           </a:r>
-          <a:endParaRPr lang="en-US"/>
+          <a:r>
+            <a:rPr lang="it-IT" dirty="0" err="1"/>
+            <a:t>oximeter</a:t>
+          </a:r>
+          <a:r>
+            <a:rPr lang="it-IT" dirty="0"/>
+            <a:t> for </a:t>
+          </a:r>
+          <a:r>
+            <a:rPr lang="it-IT" dirty="0" err="1"/>
+            <a:t>heartbeat</a:t>
+          </a:r>
+          <a:endParaRPr lang="en-US" dirty="0"/>
         </a:p>
       </dgm:t>
     </dgm:pt>
@@ -2072,22 +2083,11 @@
         <a:lstStyle/>
         <a:p>
           <a:r>
-            <a:rPr lang="it-IT" dirty="0"/>
-            <a:t>Durante un ciclo respiratorio </a:t>
+            <a:rPr lang="en-US" dirty="0"/>
+            <a:t>During a breathing cycle 
+(inhale + exhale)
+ The Z-axis increases and decreases evenly and steadily over time.</a:t>
           </a:r>
-        </a:p>
-        <a:p>
-          <a:r>
-            <a:rPr lang="it-IT" dirty="0"/>
-            <a:t>(inspirazione + espirazione)</a:t>
-          </a:r>
-        </a:p>
-        <a:p>
-          <a:r>
-            <a:rPr lang="it-IT" dirty="0"/>
-            <a:t> l’asse z aumenta e diminuisce in modo uniforme e costante nel tempo.</a:t>
-          </a:r>
-          <a:endParaRPr lang="en-US" dirty="0"/>
         </a:p>
       </dgm:t>
     </dgm:pt>
@@ -2121,10 +2121,9 @@
         <a:lstStyle/>
         <a:p>
           <a:r>
-            <a:rPr lang="it-IT"/>
-            <a:t>Durante un battito cardiaco l’asse x aumenta e diminuisce in modo improvviso generando dei picchi.</a:t>
+            <a:rPr lang="en-US" dirty="0"/>
+            <a:t>During a heartbeat, the x-axis rises and falls suddenly, generating spikes.</a:t>
           </a:r>
-          <a:endParaRPr lang="en-US"/>
         </a:p>
       </dgm:t>
     </dgm:pt>
@@ -2159,7 +2158,15 @@
         <a:p>
           <a:r>
             <a:rPr lang="it-IT" dirty="0"/>
-            <a:t>I due fenomeni di respirazione e pulsazione si influenzano a vicenda, influenzando entrambi gli assi.</a:t>
+            <a:t>I </a:t>
+          </a:r>
+          <a:r>
+            <a:rPr lang="en-US" dirty="0"/>
+            <a:t>Two phenomena of breathing and pulsation influence each other, affecting both the axes</a:t>
+          </a:r>
+          <a:r>
+            <a:rPr lang="it-IT" dirty="0"/>
+            <a:t>.</a:t>
           </a:r>
           <a:endParaRPr lang="en-US" dirty="0"/>
         </a:p>
@@ -2468,7 +2475,7 @@
         </a:bodyPr>
         <a:lstStyle/>
         <a:p>
-          <a:pPr marL="0" lvl="0" indent="0" algn="ctr" defTabSz="889000">
+          <a:pPr marL="0" lvl="0" indent="0" algn="ctr" defTabSz="1111250">
             <a:lnSpc>
               <a:spcPct val="90000"/>
             </a:lnSpc>
@@ -2481,10 +2488,9 @@
             <a:buNone/>
           </a:pPr>
           <a:r>
-            <a:rPr lang="it-IT" sz="2000" kern="1200"/>
-            <a:t>Applicazione android per raccogliere i dati dell’accelerometro</a:t>
+            <a:rPr lang="en-US" sz="2500" kern="1200" dirty="0"/>
+            <a:t>Android application to collect accelerometer data</a:t>
           </a:r>
-          <a:endParaRPr lang="en-US" sz="2000" kern="1200"/>
         </a:p>
       </dsp:txBody>
       <dsp:txXfrm>
@@ -2579,7 +2585,7 @@
         </a:bodyPr>
         <a:lstStyle/>
         <a:p>
-          <a:pPr marL="0" lvl="0" indent="0" algn="ctr" defTabSz="889000">
+          <a:pPr marL="0" lvl="0" indent="0" algn="ctr" defTabSz="1111250">
             <a:lnSpc>
               <a:spcPct val="90000"/>
             </a:lnSpc>
@@ -2592,10 +2598,22 @@
             <a:buNone/>
           </a:pPr>
           <a:r>
-            <a:rPr lang="it-IT" sz="2000" kern="1200"/>
-            <a:t>Finger oximeter per il battito cardiaco</a:t>
+            <a:rPr lang="it-IT" sz="2500" kern="1200" dirty="0"/>
+            <a:t>Finger </a:t>
           </a:r>
-          <a:endParaRPr lang="en-US" sz="2000" kern="1200"/>
+          <a:r>
+            <a:rPr lang="it-IT" sz="2500" kern="1200" dirty="0" err="1"/>
+            <a:t>oximeter</a:t>
+          </a:r>
+          <a:r>
+            <a:rPr lang="it-IT" sz="2500" kern="1200" dirty="0"/>
+            <a:t> for </a:t>
+          </a:r>
+          <a:r>
+            <a:rPr lang="it-IT" sz="2500" kern="1200" dirty="0" err="1"/>
+            <a:t>heartbeat</a:t>
+          </a:r>
+          <a:endParaRPr lang="en-US" sz="2500" kern="1200" dirty="0"/>
         </a:p>
       </dsp:txBody>
       <dsp:txXfrm>
@@ -2715,46 +2733,11 @@
             <a:buNone/>
           </a:pPr>
           <a:r>
-            <a:rPr lang="it-IT" sz="1100" kern="1200" dirty="0"/>
-            <a:t>Durante un ciclo respiratorio </a:t>
+            <a:rPr lang="en-US" sz="1100" kern="1200" dirty="0"/>
+            <a:t>During a breathing cycle 
+(inhale + exhale)
+ The Z-axis increases and decreases evenly and steadily over time.</a:t>
           </a:r>
-        </a:p>
-        <a:p>
-          <a:pPr marL="0" lvl="0" indent="0" algn="ctr" defTabSz="488950">
-            <a:lnSpc>
-              <a:spcPct val="90000"/>
-            </a:lnSpc>
-            <a:spcBef>
-              <a:spcPct val="0"/>
-            </a:spcBef>
-            <a:spcAft>
-              <a:spcPct val="35000"/>
-            </a:spcAft>
-            <a:buNone/>
-          </a:pPr>
-          <a:r>
-            <a:rPr lang="it-IT" sz="1100" kern="1200" dirty="0"/>
-            <a:t>(inspirazione + espirazione)</a:t>
-          </a:r>
-        </a:p>
-        <a:p>
-          <a:pPr marL="0" lvl="0" indent="0" algn="ctr" defTabSz="488950">
-            <a:lnSpc>
-              <a:spcPct val="90000"/>
-            </a:lnSpc>
-            <a:spcBef>
-              <a:spcPct val="0"/>
-            </a:spcBef>
-            <a:spcAft>
-              <a:spcPct val="35000"/>
-            </a:spcAft>
-            <a:buNone/>
-          </a:pPr>
-          <a:r>
-            <a:rPr lang="it-IT" sz="1100" kern="1200" dirty="0"/>
-            <a:t> l’asse z aumenta e diminuisce in modo uniforme e costante nel tempo.</a:t>
-          </a:r>
-          <a:endParaRPr lang="en-US" sz="1100" kern="1200" dirty="0"/>
         </a:p>
       </dsp:txBody>
       <dsp:txXfrm>
@@ -2862,10 +2845,9 @@
             <a:buNone/>
           </a:pPr>
           <a:r>
-            <a:rPr lang="it-IT" sz="1100" kern="1200"/>
-            <a:t>Durante un battito cardiaco l’asse x aumenta e diminuisce in modo improvviso generando dei picchi.</a:t>
+            <a:rPr lang="en-US" sz="1100" kern="1200" dirty="0"/>
+            <a:t>During a heartbeat, the x-axis rises and falls suddenly, generating spikes.</a:t>
           </a:r>
-          <a:endParaRPr lang="en-US" sz="1100" kern="1200"/>
         </a:p>
       </dsp:txBody>
       <dsp:txXfrm>
@@ -2974,7 +2956,15 @@
           </a:pPr>
           <a:r>
             <a:rPr lang="it-IT" sz="1100" kern="1200" dirty="0"/>
-            <a:t>I due fenomeni di respirazione e pulsazione si influenzano a vicenda, influenzando entrambi gli assi.</a:t>
+            <a:t>I </a:t>
+          </a:r>
+          <a:r>
+            <a:rPr lang="en-US" sz="1100" kern="1200" dirty="0"/>
+            <a:t>Two phenomena of breathing and pulsation influence each other, affecting both the axes</a:t>
+          </a:r>
+          <a:r>
+            <a:rPr lang="it-IT" sz="1100" kern="1200" dirty="0"/>
+            <a:t>.</a:t>
           </a:r>
           <a:endParaRPr lang="en-US" sz="1100" kern="1200" dirty="0"/>
         </a:p>
@@ -10741,13 +10731,26 @@
           <a:lstStyle/>
           <a:p>
             <a:r>
-              <a:rPr lang="it-IT">
+              <a:rPr lang="it-IT" dirty="0">
                 <a:solidFill>
                   <a:srgbClr val="000000"/>
                 </a:solidFill>
               </a:rPr>
-              <a:t>Trasformata di fourier</a:t>
+              <a:t>Fourier </a:t>
             </a:r>
+            <a:r>
+              <a:rPr lang="it-IT" dirty="0" err="1">
+                <a:solidFill>
+                  <a:srgbClr val="000000"/>
+                </a:solidFill>
+              </a:rPr>
+              <a:t>transform</a:t>
+            </a:r>
+            <a:endParaRPr lang="it-IT" dirty="0">
+              <a:solidFill>
+                <a:srgbClr val="000000"/>
+              </a:solidFill>
+            </a:endParaRPr>
           </a:p>
         </p:txBody>
       </p:sp>
@@ -10784,24 +10787,31 @@
               </a:spcAft>
             </a:pPr>
             <a:r>
-              <a:rPr lang="it-IT" sz="1728" dirty="0">
+              <a:rPr lang="en-US" sz="1728" dirty="0">
                 <a:solidFill>
                   <a:srgbClr val="0D0D0D"/>
                 </a:solidFill>
                 <a:latin typeface="Söhne"/>
               </a:rPr>
-              <a:t>L</a:t>
+              <a:t>The application of the Fourier Transform (FFT) in this context of analyzes accelerometer data is to </a:t>
             </a:r>
             <a:r>
-              <a:rPr lang="it-IT" sz="1728" kern="1200" dirty="0">
+              <a:rPr lang="en-US" sz="1728" dirty="0" err="1">
                 <a:solidFill>
                   <a:srgbClr val="0D0D0D"/>
                 </a:solidFill>
                 <a:latin typeface="Söhne"/>
-                <a:ea typeface="+mn-ea"/>
-                <a:cs typeface="+mn-cs"/>
               </a:rPr>
-              <a:t>'applicazione della Trasformata di Fourier (FFT) in questo contesto analizza i dati dell'accelerometro e identifica i componenti di frequenza associati alla respirazione e ai battiti cardiaci, inoltre viene utilizzata per filtrare le frequenze indesiderate nel segnale, ad esempio eliminando le frequenze associate al rumore o a movimenti non desiderati.</a:t>
+              <a:t>identifie</a:t>
+            </a:r>
+            <a:r>
+              <a:rPr lang="en-US" sz="1728" dirty="0">
+                <a:solidFill>
+                  <a:srgbClr val="0D0D0D"/>
+                </a:solidFill>
+                <a:latin typeface="Söhne"/>
+              </a:rPr>
+              <a:t> the frequency components associated with breathing and heartbeats and is also used to filter out unwanted frequencies in the signal, for example by eliminating frequencies associated with noise or unwanted movements.</a:t>
             </a:r>
             <a:endParaRPr lang="it-IT" dirty="0"/>
           </a:p>
@@ -11326,12 +11336,12 @@
           <a:lstStyle/>
           <a:p>
             <a:r>
-              <a:rPr lang="en-US" sz="3600" spc="1300">
+              <a:rPr lang="en-US" sz="3600" spc="1300" dirty="0">
                 <a:solidFill>
                   <a:srgbClr val="FFFFFF"/>
                 </a:solidFill>
               </a:rPr>
-              <a:t>Calcolo della frequenza respiratoria e cardiaca</a:t>
+              <a:t>Calculation of respiratory and heart rate</a:t>
             </a:r>
           </a:p>
         </p:txBody>
@@ -11620,23 +11630,11 @@
           <a:lstStyle/>
           <a:p>
             <a:r>
-              <a:rPr lang="it-IT" dirty="0"/>
-              <a:t>Si ricercano i picchi nel segnale filtrato</a:t>
+              <a:rPr lang="en-US" dirty="0"/>
+              <a:t>Searching for peaks in the filtered signal
+Calculate the period between two peaks
+Calculate the frequency as the period multiplied by 60 divided by the duration of the signal</a:t>
             </a:r>
-          </a:p>
-          <a:p>
-            <a:r>
-              <a:rPr lang="it-IT" dirty="0"/>
-              <a:t>Calcolo il periodo che intercorre tra due picchi</a:t>
-            </a:r>
-          </a:p>
-          <a:p>
-            <a:r>
-              <a:rPr lang="it-IT" dirty="0"/>
-              <a:t>Calcolo la frequenza come il periodo moltiplicato per 60 diviso la durata del segnale</a:t>
-            </a:r>
-          </a:p>
-          <a:p>
             <a:endParaRPr lang="it-IT" dirty="0"/>
           </a:p>
         </p:txBody>
@@ -11678,7 +11676,7 @@
           <a:p>
             <a:r>
               <a:rPr lang="it-IT" sz="1200" dirty="0"/>
-              <a:t>(battiti per minuto)</a:t>
+              <a:t>(beats per minute)</a:t>
             </a:r>
           </a:p>
         </p:txBody>
@@ -11697,8 +11695,8 @@
         </p:nvSpPr>
         <p:spPr>
           <a:xfrm>
-            <a:off x="2831690" y="2851354"/>
-            <a:ext cx="1534844" cy="553998"/>
+            <a:off x="2792801" y="2851354"/>
+            <a:ext cx="1612622" cy="553998"/>
           </a:xfrm>
           <a:prstGeom prst="rect">
             <a:avLst/>
@@ -11714,14 +11712,22 @@
             <a:pPr algn="ctr"/>
             <a:r>
               <a:rPr lang="it-IT" dirty="0"/>
-              <a:t>30 RPM</a:t>
+              <a:t>30 BPM</a:t>
             </a:r>
           </a:p>
           <a:p>
             <a:pPr algn="ctr"/>
             <a:r>
               <a:rPr lang="it-IT" sz="1200" dirty="0"/>
-              <a:t>(respiri per minuto)</a:t>
+              <a:t>(</a:t>
+            </a:r>
+            <a:r>
+              <a:rPr lang="it-IT" sz="1200" dirty="0" err="1"/>
+              <a:t>breaths</a:t>
+            </a:r>
+            <a:r>
+              <a:rPr lang="it-IT" sz="1200" dirty="0"/>
+              <a:t> per minute)</a:t>
             </a:r>
           </a:p>
         </p:txBody>
@@ -12074,13 +12080,18 @@
           <a:lstStyle/>
           <a:p>
             <a:r>
-              <a:rPr lang="it-IT" dirty="0">
+              <a:rPr lang="it-IT" dirty="0" err="1">
                 <a:solidFill>
                   <a:srgbClr val="000000"/>
                 </a:solidFill>
               </a:rPr>
-              <a:t>Risultati</a:t>
+              <a:t>Results</a:t>
             </a:r>
+            <a:endParaRPr lang="it-IT" dirty="0">
+              <a:solidFill>
+                <a:srgbClr val="000000"/>
+              </a:solidFill>
+            </a:endParaRPr>
           </a:p>
         </p:txBody>
       </p:sp>
@@ -12120,25 +12131,15 @@
           <a:p>
             <a:r>
               <a:rPr lang="it-IT" dirty="0"/>
-              <a:t>               -10 </a:t>
+              <a:t>               -</a:t>
             </a:r>
             <a:r>
-              <a:rPr lang="it-IT" dirty="0" err="1"/>
-              <a:t>sogetti</a:t>
+              <a:rPr lang="en-US" dirty="0"/>
+              <a:t>10 subjects
+               -2 tasks
+               -100 recordings</a:t>
             </a:r>
             <a:endParaRPr lang="it-IT" dirty="0"/>
-          </a:p>
-          <a:p>
-            <a:r>
-              <a:rPr lang="it-IT" dirty="0"/>
-              <a:t>               -2 task</a:t>
-            </a:r>
-          </a:p>
-          <a:p>
-            <a:r>
-              <a:rPr lang="it-IT" dirty="0"/>
-              <a:t>               -100 registrazioni</a:t>
-            </a:r>
           </a:p>
         </p:txBody>
       </p:sp>
@@ -12157,7 +12158,7 @@
         <p:spPr>
           <a:xfrm>
             <a:off x="3776739" y="3055381"/>
-            <a:ext cx="4363567" cy="1200329"/>
+            <a:ext cx="3941079" cy="1200329"/>
           </a:xfrm>
           <a:prstGeom prst="rect">
             <a:avLst/>
@@ -12171,27 +12172,13 @@
           <a:lstStyle/>
           <a:p>
             <a:r>
-              <a:rPr lang="it-IT" dirty="0"/>
-              <a:t>Fattori di influenza:</a:t>
+              <a:rPr lang="en-US" dirty="0"/>
+              <a:t>Influencing factors:
+         -Influence of the heartbeat 
+         -Positioning of the smartphone
+         -Smartphone movements</a:t>
             </a:r>
-          </a:p>
-          <a:p>
-            <a:r>
-              <a:rPr lang="it-IT" dirty="0"/>
-              <a:t>         -Influenza del battito </a:t>
-            </a:r>
-          </a:p>
-          <a:p>
-            <a:r>
-              <a:rPr lang="it-IT" dirty="0"/>
-              <a:t>         -Posizionamento dello smartphone</a:t>
-            </a:r>
-          </a:p>
-          <a:p>
-            <a:r>
-              <a:rPr lang="it-IT" dirty="0"/>
-              <a:t>         -Spostamenti dello smartphone</a:t>
-            </a:r>
+            <a:endParaRPr lang="it-IT" dirty="0"/>
           </a:p>
         </p:txBody>
       </p:sp>
@@ -12250,7 +12237,7 @@
         <p:spPr>
           <a:xfrm>
             <a:off x="8140306" y="2952368"/>
-            <a:ext cx="3976088" cy="2369880"/>
+            <a:ext cx="3776290" cy="2308324"/>
           </a:xfrm>
           <a:prstGeom prst="rect">
             <a:avLst/>
@@ -12264,18 +12251,17 @@
           <a:lstStyle/>
           <a:p>
             <a:r>
-              <a:rPr lang="it-IT" dirty="0"/>
-              <a:t>Parametri:</a:t>
+              <a:rPr lang="it-IT" dirty="0" err="1"/>
+              <a:t>Parameters</a:t>
             </a:r>
-          </a:p>
-          <a:p>
             <a:r>
               <a:rPr lang="it-IT" dirty="0"/>
-              <a:t>        </a:t>
+              <a:t>:
+</a:t>
             </a:r>
             <a:r>
               <a:rPr lang="it-IT" sz="1400" dirty="0"/>
-              <a:t>- </a:t>
+              <a:t>        - </a:t>
             </a:r>
             <a:r>
               <a:rPr lang="it-IT" sz="1400" dirty="0" err="1"/>
@@ -12283,25 +12269,34 @@
             </a:r>
             <a:r>
               <a:rPr lang="it-IT" sz="1400" dirty="0"/>
-              <a:t>: Frequenza di campionamento </a:t>
+              <a:t>: Sampling Rate 
+        - duration: Duration of the </a:t>
             </a:r>
-          </a:p>
-          <a:p>
+            <a:r>
+              <a:rPr lang="it-IT" sz="1400" dirty="0" err="1"/>
+              <a:t>signal</a:t>
+            </a:r>
             <a:r>
               <a:rPr lang="it-IT" sz="1400" dirty="0"/>
-              <a:t>        - duration: Durata del segnale </a:t>
+              <a:t> 
+        - n: </a:t>
             </a:r>
-          </a:p>
-          <a:p>
+            <a:r>
+              <a:rPr lang="it-IT" sz="1400" dirty="0" err="1"/>
+              <a:t>Signal</a:t>
+            </a:r>
             <a:r>
               <a:rPr lang="it-IT" sz="1400" dirty="0"/>
-              <a:t>        - n: Lunghezza del segnale </a:t>
+              <a:t> </a:t>
             </a:r>
-          </a:p>
-          <a:p>
+            <a:r>
+              <a:rPr lang="it-IT" sz="1400" dirty="0" err="1"/>
+              <a:t>length</a:t>
+            </a:r>
             <a:r>
               <a:rPr lang="it-IT" sz="1400" dirty="0"/>
-              <a:t>        - </a:t>
+              <a:t> 
+        - </a:t>
             </a:r>
             <a:r>
               <a:rPr lang="it-IT" sz="1400" dirty="0" err="1"/>
@@ -12309,19 +12304,17 @@
             </a:r>
             <a:r>
               <a:rPr lang="it-IT" sz="1400" dirty="0"/>
-              <a:t>: Frequenza di taglio </a:t>
+              <a:t>: </a:t>
             </a:r>
-          </a:p>
-          <a:p>
+            <a:r>
+              <a:rPr lang="it-IT" sz="1400" dirty="0" err="1"/>
+              <a:t>Cut</a:t>
+            </a:r>
             <a:r>
               <a:rPr lang="it-IT" sz="1400" dirty="0"/>
-              <a:t>          del filtro passa-basso </a:t>
-            </a:r>
-          </a:p>
-          <a:p>
-            <a:r>
-              <a:rPr lang="it-IT" sz="1400" dirty="0"/>
-              <a:t>         - </a:t>
+              <a:t>-off frequency 
+          of the low-pass filter 
+         - </a:t>
             </a:r>
             <a:r>
               <a:rPr lang="it-IT" sz="1400" dirty="0" err="1"/>
@@ -12329,19 +12322,25 @@
             </a:r>
             <a:r>
               <a:rPr lang="it-IT" sz="1400" dirty="0"/>
-              <a:t>: Frequenza di taglio </a:t>
+              <a:t>: Cutoff frequency 
+            </a:t>
             </a:r>
-          </a:p>
-          <a:p>
+            <a:r>
+              <a:rPr lang="it-IT" sz="1400" dirty="0" err="1"/>
+              <a:t>lower</a:t>
+            </a:r>
             <a:r>
               <a:rPr lang="it-IT" sz="1400" dirty="0"/>
-              <a:t>            inferiore del filtro passa-banda</a:t>
+              <a:t> </a:t>
             </a:r>
-          </a:p>
-          <a:p>
+            <a:r>
+              <a:rPr lang="it-IT" sz="1400" dirty="0" err="1"/>
+              <a:t>bandpass</a:t>
+            </a:r>
             <a:r>
               <a:rPr lang="it-IT" sz="1400" dirty="0"/>
-              <a:t>         - </a:t>
+              <a:t> filter
+         - </a:t>
             </a:r>
             <a:r>
               <a:rPr lang="it-IT" sz="1400" dirty="0" err="1"/>
@@ -12349,13 +12348,24 @@
             </a:r>
             <a:r>
               <a:rPr lang="it-IT" sz="1400" dirty="0"/>
-              <a:t>: Frequenza di taglio </a:t>
+              <a:t>: Cutoff frequency 
+           </a:t>
             </a:r>
-          </a:p>
-          <a:p>
+            <a:r>
+              <a:rPr lang="it-IT" sz="1400" dirty="0" err="1"/>
+              <a:t>upper</a:t>
+            </a:r>
             <a:r>
               <a:rPr lang="it-IT" sz="1400" dirty="0"/>
-              <a:t>           superiore del filtro passa-banda</a:t>
+              <a:t> </a:t>
+            </a:r>
+            <a:r>
+              <a:rPr lang="it-IT" sz="1400" dirty="0" err="1"/>
+              <a:t>bandpass</a:t>
+            </a:r>
+            <a:r>
+              <a:rPr lang="it-IT" sz="1400" dirty="0"/>
+              <a:t> filter</a:t>
             </a:r>
           </a:p>
         </p:txBody>
@@ -12503,9 +12513,10 @@
           <a:lstStyle/>
           <a:p>
             <a:r>
-              <a:rPr lang="it-IT"/>
-              <a:t>Conclusioni</a:t>
+              <a:rPr lang="it-IT" dirty="0" err="1"/>
+              <a:t>Conclusions</a:t>
             </a:r>
+            <a:endParaRPr lang="it-IT" dirty="0"/>
           </a:p>
         </p:txBody>
       </p:sp>
@@ -12596,42 +12607,25 @@
         </p:spPr>
         <p:txBody>
           <a:bodyPr>
-            <a:normAutofit/>
+            <a:normAutofit fontScale="92500"/>
           </a:bodyPr>
           <a:lstStyle/>
           <a:p>
             <a:r>
-              <a:rPr lang="it-IT" sz="1900" dirty="0"/>
-              <a:t>Testare l’algoritmo su di un set di dati più grande e più uniformemente distribuito.</a:t>
-            </a:r>
-          </a:p>
-          <a:p>
-            <a:r>
-              <a:rPr lang="it-IT" sz="1900" dirty="0"/>
-              <a:t>L’algoritmo non è affidabile al 100%, dipende molto da come viene posizionato il telefono.</a:t>
-            </a:r>
-          </a:p>
-          <a:p>
-            <a:r>
-              <a:rPr lang="it-IT" sz="1900" dirty="0"/>
-              <a:t>In futuro per migliorare le prestazioni si potrebbe pensare a questo algoritmo come fase di </a:t>
+              <a:rPr lang="en-US" sz="1900" dirty="0"/>
+              <a:t>Test the algorithm on a larger, more evenly distributed dataset.
+The algorithm is not 100% reliable, it depends a lot on how the phone is placed and the movements of the body during signal recording.
+In the future, to improve performance, this algorithm could be thought of as a signal pre-processing step to be used as a </a:t>
             </a:r>
             <a:r>
-              <a:rPr lang="it-IT" sz="1900" dirty="0" err="1"/>
-              <a:t>pre</a:t>
-            </a:r>
-            <a:r>
-              <a:rPr lang="it-IT" sz="1900" dirty="0"/>
-              <a:t>-elaborazione del segnale da usare come </a:t>
-            </a:r>
-            <a:r>
-              <a:rPr lang="it-IT" sz="1900" dirty="0" err="1"/>
+              <a:rPr lang="en-US" sz="1900" dirty="0" err="1"/>
               <a:t>feauture</a:t>
             </a:r>
             <a:r>
-              <a:rPr lang="it-IT" sz="1900" dirty="0"/>
-              <a:t> di una rete neurale.  </a:t>
+              <a:rPr lang="en-US" sz="1900" dirty="0"/>
+              <a:t> of a neural network.</a:t>
             </a:r>
+            <a:endParaRPr lang="it-IT" sz="1900" dirty="0"/>
           </a:p>
         </p:txBody>
       </p:sp>
@@ -12856,21 +12850,22 @@
         </p:spPr>
         <p:txBody>
           <a:bodyPr>
-            <a:normAutofit/>
+            <a:normAutofit fontScale="90000"/>
           </a:bodyPr>
           <a:lstStyle/>
           <a:p>
             <a:r>
-              <a:rPr lang="it-IT" sz="1600" dirty="0"/>
-              <a:t>Nel futuro saranno le piccole</a:t>
+              <a:rPr lang="en-US" sz="1600" dirty="0"/>
+              <a:t>In the future, it will be the small</a:t>
             </a:r>
             <a:br>
-              <a:rPr lang="it-IT" sz="1600" dirty="0"/>
+              <a:rPr lang="en-US" sz="1600" dirty="0"/>
             </a:br>
             <a:r>
-              <a:rPr lang="it-IT" sz="1600" dirty="0"/>
-              <a:t>cose a fare i grandi cambiamenti</a:t>
+              <a:rPr lang="en-US" sz="1600" dirty="0"/>
+              <a:t>Things to Make the Big Changes</a:t>
             </a:r>
+            <a:endParaRPr lang="it-IT" sz="1600" dirty="0"/>
           </a:p>
         </p:txBody>
       </p:sp>
@@ -13311,13 +13306,26 @@
           <a:lstStyle/>
           <a:p>
             <a:r>
-              <a:rPr lang="it-IT" sz="3600">
+              <a:rPr lang="it-IT" sz="3600" dirty="0">
                 <a:solidFill>
                   <a:srgbClr val="FFFFFF"/>
                 </a:solidFill>
               </a:rPr>
-              <a:t>Il problema</a:t>
+              <a:t>The </a:t>
             </a:r>
+            <a:r>
+              <a:rPr lang="it-IT" sz="3600" dirty="0" err="1">
+                <a:solidFill>
+                  <a:srgbClr val="FFFFFF"/>
+                </a:solidFill>
+              </a:rPr>
+              <a:t>Problem</a:t>
+            </a:r>
+            <a:endParaRPr lang="it-IT" sz="3600" dirty="0">
+              <a:solidFill>
+                <a:srgbClr val="FFFFFF"/>
+              </a:solidFill>
+            </a:endParaRPr>
           </a:p>
         </p:txBody>
       </p:sp>
@@ -13582,13 +13590,18 @@
           <a:lstStyle/>
           <a:p>
             <a:r>
-              <a:rPr lang="it-IT" dirty="0">
+              <a:rPr lang="en-US" dirty="0">
                 <a:solidFill>
                   <a:srgbClr val="000000"/>
                 </a:solidFill>
               </a:rPr>
-              <a:t>Trovare un metodo alternativo per conoscere il battito cardiaco e la frequenza respiratoria utilizzando le tecnologie messe a disposizione dai moderni smartphone</a:t>
+              <a:t>Find an alternative way to know your heart rate and respiratory rate using the technologies made available by modern smartphones</a:t>
             </a:r>
+            <a:endParaRPr lang="it-IT" dirty="0">
+              <a:solidFill>
+                <a:srgbClr val="000000"/>
+              </a:solidFill>
+            </a:endParaRPr>
           </a:p>
         </p:txBody>
       </p:sp>
@@ -13890,13 +13903,26 @@
           <a:lstStyle/>
           <a:p>
             <a:r>
-              <a:rPr lang="it-IT" sz="3600">
+              <a:rPr lang="it-IT" sz="3600" dirty="0">
                 <a:solidFill>
                   <a:srgbClr val="FFFFFF"/>
                 </a:solidFill>
               </a:rPr>
-              <a:t>L’accelerometro</a:t>
+              <a:t>The </a:t>
             </a:r>
+            <a:r>
+              <a:rPr lang="it-IT" sz="3600" dirty="0" err="1">
+                <a:solidFill>
+                  <a:srgbClr val="FFFFFF"/>
+                </a:solidFill>
+              </a:rPr>
+              <a:t>accelerometer</a:t>
+            </a:r>
+            <a:endParaRPr lang="it-IT" sz="3600" dirty="0">
+              <a:solidFill>
+                <a:srgbClr val="FFFFFF"/>
+              </a:solidFill>
+            </a:endParaRPr>
           </a:p>
         </p:txBody>
       </p:sp>
@@ -14161,13 +14187,18 @@
           <a:lstStyle/>
           <a:p>
             <a:r>
-              <a:rPr lang="it-IT">
+              <a:rPr lang="en-US" dirty="0">
                 <a:solidFill>
                   <a:srgbClr val="000000"/>
                 </a:solidFill>
               </a:rPr>
-              <a:t>L’accelerometro è un dispositivo che misura le accelerazioni dell’oggetto sul quale è posto lungo i tre assi x, y e z</a:t>
+              <a:t>The accelerometer is a device that measures the accelerations of the object on which it is placed along the three axes x, y and z</a:t>
             </a:r>
+            <a:endParaRPr lang="it-IT" dirty="0">
+              <a:solidFill>
+                <a:srgbClr val="000000"/>
+              </a:solidFill>
+            </a:endParaRPr>
           </a:p>
         </p:txBody>
       </p:sp>
@@ -14469,12 +14500,12 @@
           <a:lstStyle/>
           <a:p>
             <a:r>
-              <a:rPr lang="it-IT" sz="3600">
+              <a:rPr lang="it-IT" sz="3600" dirty="0">
                 <a:solidFill>
                   <a:srgbClr val="FFFFFF"/>
                 </a:solidFill>
               </a:rPr>
-              <a:t>L’idea</a:t>
+              <a:t>The idea</a:t>
             </a:r>
           </a:p>
         </p:txBody>
@@ -14740,43 +14771,21 @@
           <a:lstStyle/>
           <a:p>
             <a:r>
-              <a:rPr lang="it-IT" dirty="0">
+              <a:rPr lang="en-US" dirty="0">
                 <a:solidFill>
                   <a:srgbClr val="000000"/>
                 </a:solidFill>
               </a:rPr>
-              <a:t>Porre il telefono sul torace in posizione supina</a:t>
+              <a:t>Place the phone on your chest in a supine position
+Record micro chest movements with the accelerometer
+Analyze the signal
+Get your heart and breathing rate</a:t>
             </a:r>
-          </a:p>
-          <a:p>
-            <a:r>
-              <a:rPr lang="it-IT" dirty="0">
-                <a:solidFill>
-                  <a:srgbClr val="000000"/>
-                </a:solidFill>
-              </a:rPr>
-              <a:t>Registrare con l’accelerometro i micro spostamenti del torace</a:t>
-            </a:r>
-          </a:p>
-          <a:p>
-            <a:r>
-              <a:rPr lang="it-IT" dirty="0">
-                <a:solidFill>
-                  <a:srgbClr val="000000"/>
-                </a:solidFill>
-              </a:rPr>
-              <a:t>Analizzare il segnale</a:t>
-            </a:r>
-          </a:p>
-          <a:p>
-            <a:r>
-              <a:rPr lang="it-IT" dirty="0">
-                <a:solidFill>
-                  <a:srgbClr val="000000"/>
-                </a:solidFill>
-              </a:rPr>
-              <a:t>Ottenere la frequenza cardiaca e respiratoria</a:t>
-            </a:r>
+            <a:endParaRPr lang="it-IT" dirty="0">
+              <a:solidFill>
+                <a:srgbClr val="000000"/>
+              </a:solidFill>
+            </a:endParaRPr>
           </a:p>
         </p:txBody>
       </p:sp>
@@ -15235,13 +15244,26 @@
           <a:lstStyle/>
           <a:p>
             <a:r>
-              <a:rPr lang="it-IT">
+              <a:rPr lang="it-IT" dirty="0">
                 <a:solidFill>
                   <a:srgbClr val="000000"/>
                 </a:solidFill>
               </a:rPr>
-              <a:t>Raccolta dati</a:t>
+              <a:t>Data </a:t>
             </a:r>
+            <a:r>
+              <a:rPr lang="it-IT" dirty="0" err="1">
+                <a:solidFill>
+                  <a:srgbClr val="000000"/>
+                </a:solidFill>
+              </a:rPr>
+              <a:t>collection</a:t>
+            </a:r>
+            <a:endParaRPr lang="it-IT" dirty="0">
+              <a:solidFill>
+                <a:srgbClr val="000000"/>
+              </a:solidFill>
+            </a:endParaRPr>
           </a:p>
         </p:txBody>
       </p:sp>
@@ -15618,13 +15640,18 @@
           <a:lstStyle/>
           <a:p>
             <a:r>
-              <a:rPr lang="it-IT">
+              <a:rPr lang="it-IT" dirty="0" err="1">
                 <a:solidFill>
                   <a:srgbClr val="000000"/>
                 </a:solidFill>
               </a:rPr>
-              <a:t>Osservazioni</a:t>
+              <a:t>Observations</a:t>
             </a:r>
+            <a:endParaRPr lang="it-IT" dirty="0">
+              <a:solidFill>
+                <a:srgbClr val="000000"/>
+              </a:solidFill>
+            </a:endParaRPr>
           </a:p>
         </p:txBody>
       </p:sp>
@@ -15644,7 +15671,7 @@
             <p:ph idx="1"/>
             <p:extLst>
               <p:ext uri="{D42A27DB-BD31-4B8C-83A1-F6EECF244321}">
-                <p14:modId xmlns:p14="http://schemas.microsoft.com/office/powerpoint/2010/main" val="2620834217"/>
+                <p14:modId xmlns:p14="http://schemas.microsoft.com/office/powerpoint/2010/main" val="1998639247"/>
               </p:ext>
             </p:extLst>
           </p:nvPr>
@@ -15951,13 +15978,26 @@
           <a:lstStyle/>
           <a:p>
             <a:r>
-              <a:rPr lang="it-IT" sz="3600">
+              <a:rPr lang="it-IT" sz="3600" dirty="0">
                 <a:solidFill>
                   <a:srgbClr val="FFFFFF"/>
                 </a:solidFill>
               </a:rPr>
-              <a:t>L’algoritmo</a:t>
+              <a:t>The </a:t>
             </a:r>
+            <a:r>
+              <a:rPr lang="it-IT" sz="3600" dirty="0" err="1">
+                <a:solidFill>
+                  <a:srgbClr val="FFFFFF"/>
+                </a:solidFill>
+              </a:rPr>
+              <a:t>Algorithm</a:t>
+            </a:r>
+            <a:endParaRPr lang="it-IT" sz="3600" dirty="0">
+              <a:solidFill>
+                <a:srgbClr val="FFFFFF"/>
+              </a:solidFill>
+            </a:endParaRPr>
           </a:p>
         </p:txBody>
       </p:sp>
@@ -16245,7 +16285,7 @@
               <a:buNone/>
             </a:pPr>
             <a:r>
-              <a:rPr lang="it-IT" sz="800" dirty="0">
+              <a:rPr lang="en-US" sz="800" dirty="0">
                 <a:solidFill>
                   <a:srgbClr val="FF0000"/>
                 </a:solidFill>
@@ -16253,12 +16293,85 @@
               <a:t>1. </a:t>
             </a:r>
             <a:r>
-              <a:rPr lang="it-IT" sz="800" dirty="0">
+              <a:rPr lang="en-US" sz="800" dirty="0">
                 <a:solidFill>
                   <a:schemeClr val="bg1"/>
                 </a:solidFill>
               </a:rPr>
-              <a:t>Carica il file CSV dal percorso specificato</a:t>
+              <a:t>Upload the CSV file </a:t>
+            </a:r>
+            <a:r>
+              <a:rPr lang="en-US" sz="800" dirty="0">
+                <a:solidFill>
+                  <a:srgbClr val="FF0000"/>
+                </a:solidFill>
+              </a:rPr>
+              <a:t>
+ 2. </a:t>
+            </a:r>
+            <a:r>
+              <a:rPr lang="en-US" sz="800" dirty="0">
+                <a:solidFill>
+                  <a:schemeClr val="bg1"/>
+                </a:solidFill>
+              </a:rPr>
+              <a:t>Read Data in a correct manner</a:t>
+            </a:r>
+            <a:r>
+              <a:rPr lang="en-US" sz="800" dirty="0">
+                <a:solidFill>
+                  <a:srgbClr val="FF0000"/>
+                </a:solidFill>
+              </a:rPr>
+              <a:t>
+3. </a:t>
+            </a:r>
+            <a:r>
+              <a:rPr lang="en-US" sz="800" dirty="0">
+                <a:solidFill>
+                  <a:schemeClr val="bg1"/>
+                </a:solidFill>
+              </a:rPr>
+              <a:t>Extract accelerometer data along the x, y, and z axes</a:t>
+            </a:r>
+            <a:r>
+              <a:rPr lang="en-US" sz="800" dirty="0">
+                <a:solidFill>
+                  <a:srgbClr val="FF0000"/>
+                </a:solidFill>
+              </a:rPr>
+              <a:t>
+4. </a:t>
+            </a:r>
+            <a:r>
+              <a:rPr lang="en-US" sz="800" dirty="0">
+                <a:solidFill>
+                  <a:schemeClr val="bg1"/>
+                </a:solidFill>
+              </a:rPr>
+              <a:t>Filter data:
+    - Applies a low-pass filter to accelerometer data along the z-axis
+    - Applies a bandpass filter to accelerometer data along the x-axis</a:t>
+            </a:r>
+            <a:r>
+              <a:rPr lang="en-US" sz="800" dirty="0">
+                <a:solidFill>
+                  <a:srgbClr val="FF0000"/>
+                </a:solidFill>
+              </a:rPr>
+              <a:t>
+5. </a:t>
+            </a:r>
+            <a:r>
+              <a:rPr lang="en-US" sz="800" dirty="0">
+                <a:solidFill>
+                  <a:schemeClr val="bg1"/>
+                </a:solidFill>
+              </a:rPr>
+              <a:t>Calculate the Fourier Transform:
+    - Calculate frequencies
+    - Calculate the Fourier transform of accelerometer data along the axis
+    - Calculate the amplitude spectrum of the signal</a:t>
             </a:r>
           </a:p>
           <a:p>
@@ -16269,333 +16382,76 @@
               <a:buNone/>
             </a:pPr>
             <a:r>
-              <a:rPr lang="it-IT" sz="800" dirty="0">
-                <a:solidFill>
-                  <a:srgbClr val="000000"/>
-                </a:solidFill>
-              </a:rPr>
-              <a:t> </a:t>
-            </a:r>
-            <a:r>
-              <a:rPr lang="it-IT" sz="800" dirty="0">
+              <a:rPr lang="en-US" sz="800" dirty="0">
                 <a:solidFill>
                   <a:srgbClr val="FF0000"/>
                 </a:solidFill>
               </a:rPr>
-              <a:t>2. </a:t>
+              <a:t>
+6. </a:t>
             </a:r>
             <a:r>
-              <a:rPr lang="it-IT" sz="800" dirty="0">
+              <a:rPr lang="en-US" sz="800" dirty="0">
                 <a:solidFill>
                   <a:schemeClr val="bg1"/>
                 </a:solidFill>
               </a:rPr>
-              <a:t>Leggi i dati utilizzando la funzione </a:t>
+              <a:t>Detect respiratory spikes on the obtained signal  along the Z-axis</a:t>
             </a:r>
             <a:r>
-              <a:rPr lang="it-IT" sz="800" dirty="0" err="1">
+              <a:rPr lang="en-US" sz="800" dirty="0">
+                <a:solidFill>
+                  <a:srgbClr val="FF0000"/>
+                </a:solidFill>
+              </a:rPr>
+              <a:t>
+7. </a:t>
+            </a:r>
+            <a:r>
+              <a:rPr lang="en-US" sz="800" dirty="0">
                 <a:solidFill>
                   <a:schemeClr val="bg1"/>
                 </a:solidFill>
               </a:rPr>
-              <a:t>readtable</a:t>
+              <a:t>Detect Heart Spikes on the obtained signal along the X-Axis</a:t>
             </a:r>
-            <a:endParaRPr lang="it-IT" sz="800" dirty="0">
-              <a:solidFill>
-                <a:schemeClr val="bg1"/>
-              </a:solidFill>
-            </a:endParaRPr>
-          </a:p>
-          <a:p>
-            <a:pPr marL="0" indent="0">
-              <a:lnSpc>
-                <a:spcPct val="120000"/>
-              </a:lnSpc>
-              <a:buNone/>
-            </a:pPr>
             <a:r>
-              <a:rPr lang="it-IT" sz="800" dirty="0">
+              <a:rPr lang="en-US" sz="800" dirty="0">
                 <a:solidFill>
                   <a:srgbClr val="FF0000"/>
                 </a:solidFill>
               </a:rPr>
-              <a:t>3. </a:t>
+              <a:t>
+8. </a:t>
             </a:r>
             <a:r>
-              <a:rPr lang="it-IT" sz="800" dirty="0">
+              <a:rPr lang="en-US" sz="800" dirty="0">
                 <a:solidFill>
                   <a:schemeClr val="bg1"/>
                 </a:solidFill>
               </a:rPr>
-              <a:t>Estrai i dati dell'accelerometro lungo gli assi x, y e z</a:t>
+              <a:t>Calculate the breathing rate in bpm (breath par minute)</a:t>
             </a:r>
-          </a:p>
-          <a:p>
-            <a:pPr marL="0" indent="0">
-              <a:lnSpc>
-                <a:spcPct val="120000"/>
-              </a:lnSpc>
-              <a:buNone/>
-            </a:pPr>
             <a:r>
-              <a:rPr lang="it-IT" sz="800" dirty="0">
+              <a:rPr lang="en-US" sz="800" dirty="0">
                 <a:solidFill>
                   <a:srgbClr val="FF0000"/>
                 </a:solidFill>
               </a:rPr>
-              <a:t>4. </a:t>
+              <a:t>
+9. </a:t>
             </a:r>
             <a:r>
-              <a:rPr lang="it-IT" sz="800" dirty="0">
+              <a:rPr lang="en-US" sz="800" dirty="0">
                 <a:solidFill>
                   <a:schemeClr val="bg1"/>
                 </a:solidFill>
               </a:rPr>
-              <a:t>Filtra i dati:</a:t>
+              <a:t>Calculate the heart rate in bpm (beats par minute)</a:t>
             </a:r>
-          </a:p>
-          <a:p>
-            <a:pPr marL="0" indent="0">
-              <a:lnSpc>
-                <a:spcPct val="120000"/>
-              </a:lnSpc>
-              <a:buNone/>
-            </a:pPr>
-            <a:r>
-              <a:rPr lang="it-IT" sz="800" dirty="0">
-                <a:solidFill>
-                  <a:schemeClr val="bg1"/>
-                </a:solidFill>
-              </a:rPr>
-              <a:t>    - Applica un filtro passa-basso ai dati dell'accelerometro lungo l'asse z</a:t>
-            </a:r>
-          </a:p>
-          <a:p>
-            <a:pPr marL="0" indent="0">
-              <a:lnSpc>
-                <a:spcPct val="120000"/>
-              </a:lnSpc>
-              <a:buNone/>
-            </a:pPr>
-            <a:r>
-              <a:rPr lang="it-IT" sz="800" dirty="0">
-                <a:solidFill>
-                  <a:schemeClr val="bg1"/>
-                </a:solidFill>
-              </a:rPr>
-              <a:t>    - Applica un filtro passa-banda ai dati dell'accelerometro lungo l'asse x</a:t>
-            </a:r>
-          </a:p>
-          <a:p>
-            <a:pPr marL="0" indent="0">
-              <a:lnSpc>
-                <a:spcPct val="120000"/>
-              </a:lnSpc>
-              <a:buNone/>
-            </a:pPr>
-            <a:r>
-              <a:rPr lang="it-IT" sz="800" dirty="0">
-                <a:solidFill>
-                  <a:srgbClr val="FF0000"/>
-                </a:solidFill>
-              </a:rPr>
-              <a:t>5. </a:t>
-            </a:r>
-            <a:r>
-              <a:rPr lang="it-IT" sz="800" dirty="0">
-                <a:solidFill>
-                  <a:schemeClr val="bg1"/>
-                </a:solidFill>
-              </a:rPr>
-              <a:t>Calcola la Trasformata di Fourier:</a:t>
-            </a:r>
-          </a:p>
-          <a:p>
-            <a:pPr marL="0" indent="0">
-              <a:lnSpc>
-                <a:spcPct val="120000"/>
-              </a:lnSpc>
-              <a:buNone/>
-            </a:pPr>
-            <a:r>
-              <a:rPr lang="it-IT" sz="800" dirty="0">
-                <a:solidFill>
-                  <a:schemeClr val="bg1"/>
-                </a:solidFill>
-              </a:rPr>
-              <a:t>    - Calcola le frequenze</a:t>
-            </a:r>
-          </a:p>
-          <a:p>
-            <a:pPr marL="0" indent="0">
-              <a:lnSpc>
-                <a:spcPct val="120000"/>
-              </a:lnSpc>
-              <a:buNone/>
-            </a:pPr>
-            <a:r>
-              <a:rPr lang="it-IT" sz="800" dirty="0">
-                <a:solidFill>
-                  <a:schemeClr val="bg1"/>
-                </a:solidFill>
-              </a:rPr>
-              <a:t>    - Calcola la trasformata di Fourier dei dati dell'accelerometro lungo l'asse z</a:t>
-            </a:r>
-          </a:p>
-          <a:p>
-            <a:pPr marL="0" indent="0">
-              <a:lnSpc>
-                <a:spcPct val="120000"/>
-              </a:lnSpc>
-              <a:buNone/>
-            </a:pPr>
-            <a:r>
-              <a:rPr lang="it-IT" sz="800" dirty="0">
-                <a:solidFill>
-                  <a:schemeClr val="bg1"/>
-                </a:solidFill>
-              </a:rPr>
-              <a:t>    - Calcola lo spettro di ampiezza dei picchi di respirazione</a:t>
-            </a:r>
-          </a:p>
-          <a:p>
-            <a:pPr marL="0" indent="0">
-              <a:lnSpc>
-                <a:spcPct val="120000"/>
-              </a:lnSpc>
-              <a:buNone/>
-            </a:pPr>
-            <a:r>
-              <a:rPr lang="it-IT" sz="800" dirty="0">
-                <a:solidFill>
-                  <a:schemeClr val="bg1"/>
-                </a:solidFill>
-              </a:rPr>
-              <a:t>    - Calcola la trasformata di Fourier dei dati dell'accelerometro lungo l'asse x</a:t>
-            </a:r>
-          </a:p>
-          <a:p>
-            <a:pPr marL="0" indent="0">
-              <a:lnSpc>
-                <a:spcPct val="120000"/>
-              </a:lnSpc>
-              <a:buNone/>
-            </a:pPr>
-            <a:r>
-              <a:rPr lang="it-IT" sz="800" dirty="0">
-                <a:solidFill>
-                  <a:schemeClr val="bg1"/>
-                </a:solidFill>
-              </a:rPr>
-              <a:t>    - Calcola lo spettro di ampiezza dei picchi cardiaci</a:t>
-            </a:r>
-          </a:p>
-          <a:p>
-            <a:pPr marL="0" indent="0">
-              <a:lnSpc>
-                <a:spcPct val="120000"/>
-              </a:lnSpc>
-              <a:buNone/>
-            </a:pPr>
-            <a:r>
-              <a:rPr lang="it-IT" sz="800" dirty="0">
-                <a:solidFill>
-                  <a:srgbClr val="FF0000"/>
-                </a:solidFill>
-              </a:rPr>
-              <a:t>6. </a:t>
-            </a:r>
-            <a:r>
-              <a:rPr lang="it-IT" sz="800" dirty="0">
-                <a:solidFill>
-                  <a:schemeClr val="bg1"/>
-                </a:solidFill>
-              </a:rPr>
-              <a:t>Individua i picchi respiratori nei dati dell'accelerometro lungo l'asse z</a:t>
-            </a:r>
-          </a:p>
-          <a:p>
-            <a:pPr marL="0" indent="0">
-              <a:lnSpc>
-                <a:spcPct val="120000"/>
-              </a:lnSpc>
-              <a:buNone/>
-            </a:pPr>
-            <a:r>
-              <a:rPr lang="it-IT" sz="800" dirty="0">
-                <a:solidFill>
-                  <a:srgbClr val="FF0000"/>
-                </a:solidFill>
-              </a:rPr>
-              <a:t>7. </a:t>
-            </a:r>
-            <a:r>
-              <a:rPr lang="it-IT" sz="800" dirty="0">
-                <a:solidFill>
-                  <a:schemeClr val="bg1"/>
-                </a:solidFill>
-              </a:rPr>
-              <a:t>Individua i picchi cardiaci nei dati dell'accelerometro lungo l'asse x</a:t>
-            </a:r>
-          </a:p>
-          <a:p>
-            <a:pPr marL="0" indent="0">
-              <a:lnSpc>
-                <a:spcPct val="120000"/>
-              </a:lnSpc>
-              <a:buNone/>
-            </a:pPr>
-            <a:r>
-              <a:rPr lang="it-IT" sz="800" dirty="0">
-                <a:solidFill>
-                  <a:srgbClr val="FF0000"/>
-                </a:solidFill>
-              </a:rPr>
-              <a:t>8. </a:t>
-            </a:r>
-            <a:r>
-              <a:rPr lang="it-IT" sz="800" dirty="0">
-                <a:solidFill>
-                  <a:schemeClr val="bg1"/>
-                </a:solidFill>
-              </a:rPr>
-              <a:t>Calcola il tasso respiratorio in bpm (battiti per minuto)</a:t>
-            </a:r>
-          </a:p>
-          <a:p>
-            <a:pPr marL="0" indent="0">
-              <a:lnSpc>
-                <a:spcPct val="120000"/>
-              </a:lnSpc>
-              <a:buNone/>
-            </a:pPr>
-            <a:r>
-              <a:rPr lang="it-IT" sz="800" dirty="0">
-                <a:solidFill>
-                  <a:srgbClr val="FF0000"/>
-                </a:solidFill>
-              </a:rPr>
-              <a:t>9. </a:t>
-            </a:r>
-            <a:r>
-              <a:rPr lang="it-IT" sz="800" dirty="0">
-                <a:solidFill>
-                  <a:schemeClr val="bg1"/>
-                </a:solidFill>
-              </a:rPr>
-              <a:t>Calcola il tasso cardiaco in bpm (battiti per minuto)</a:t>
-            </a:r>
-          </a:p>
-          <a:p>
-            <a:pPr marL="0" indent="0">
-              <a:lnSpc>
-                <a:spcPct val="120000"/>
-              </a:lnSpc>
-              <a:buNone/>
-            </a:pPr>
             <a:endParaRPr lang="it-IT" sz="500" dirty="0">
               <a:solidFill>
-                <a:srgbClr val="000000"/>
+                <a:schemeClr val="bg1"/>
               </a:solidFill>
             </a:endParaRPr>
           </a:p>
@@ -16881,10 +16737,9 @@
           <a:lstStyle/>
           <a:p>
             <a:r>
-              <a:rPr lang="it-IT"/>
-              <a:t>Filtro passa-basso</a:t>
+              <a:rPr lang="it-IT" dirty="0"/>
+              <a:t>Low-pass filter</a:t>
             </a:r>
-            <a:endParaRPr lang="it-IT" dirty="0"/>
           </a:p>
         </p:txBody>
       </p:sp>
@@ -16916,15 +16771,21 @@
           <a:lstStyle/>
           <a:p>
             <a:r>
-              <a:rPr lang="it-IT" sz="1800" b="0" i="0" dirty="0">
+              <a:rPr lang="en-US" dirty="0">
                 <a:solidFill>
                   <a:srgbClr val="0D0D0D"/>
                 </a:solidFill>
-                <a:effectLst/>
                 <a:latin typeface="Söhne"/>
               </a:rPr>
-              <a:t>il filtraggio passa basso può essere utilizzato per rimuovere il rumore ad alta frequenza da un segnale, consentendo solo le componenti a bassa frequenza rilevanti</a:t>
+              <a:t>Low-pass filtering can be used to remove high-frequency noise from a signal, allowing only the relevant low-frequency components</a:t>
             </a:r>
+            <a:endParaRPr lang="it-IT" sz="1800" b="0" i="0" dirty="0">
+              <a:solidFill>
+                <a:srgbClr val="0D0D0D"/>
+              </a:solidFill>
+              <a:effectLst/>
+              <a:latin typeface="Söhne"/>
+            </a:endParaRPr>
           </a:p>
         </p:txBody>
       </p:sp>
@@ -17270,12 +17131,20 @@
           <a:lstStyle/>
           <a:p>
             <a:r>
-              <a:rPr lang="it-IT">
+              <a:rPr lang="it-IT" dirty="0" err="1">
                 <a:solidFill>
                   <a:srgbClr val="000000"/>
                 </a:solidFill>
               </a:rPr>
-              <a:t>Filtro passa-banda</a:t>
+              <a:t>Bandpass</a:t>
+            </a:r>
+            <a:r>
+              <a:rPr lang="it-IT" dirty="0">
+                <a:solidFill>
+                  <a:srgbClr val="000000"/>
+                </a:solidFill>
+              </a:rPr>
+              <a:t> filter</a:t>
             </a:r>
           </a:p>
         </p:txBody>
@@ -17312,19 +17181,11 @@
               <a:buNone/>
             </a:pPr>
             <a:r>
-              <a:rPr lang="it-IT" kern="1200" dirty="0">
+              <a:rPr lang="en-US" dirty="0">
                 <a:latin typeface="Söhne"/>
-                <a:ea typeface="+mn-ea"/>
-                <a:cs typeface="+mn-cs"/>
               </a:rPr>
-              <a:t>il filtro passa-banda viene utilizzato per estrarre componenti di frequenza specifiche da un segnale, eliminando le componenti ad alta e bassa frequenza</a:t>
+              <a:t>The bandpass filter is used to extract specific frequency components from a signal, eliminating both high and low frequency components</a:t>
             </a:r>
-            <a:endParaRPr lang="it-IT" dirty="0"/>
-          </a:p>
-          <a:p>
-            <a:pPr marL="0" indent="0">
-              <a:buNone/>
-            </a:pPr>
             <a:endParaRPr lang="it-IT" dirty="0"/>
           </a:p>
         </p:txBody>
